--- a/OSP-pre.pptx
+++ b/OSP-pre.pptx
@@ -2993,8 +2993,20 @@
           <a:lstStyle/>
           <a:p>
             <a:r>
-              <a:rPr kumimoji="1" lang="zh-CN" altLang="en-US" dirty="0" smtClean="0"/>
-              <a:t>操作系统实习个人总结</a:t>
+              <a:rPr kumimoji="1" lang="zh-CN" altLang="en-US" smtClean="0"/>
+              <a:t>操作系统</a:t>
+            </a:r>
+            <a:r>
+              <a:rPr kumimoji="1" lang="zh-CN" altLang="en-US" smtClean="0"/>
+              <a:t>实习</a:t>
+            </a:r>
+            <a:r>
+              <a:rPr kumimoji="1" lang="zh-CN" altLang="en-US" smtClean="0"/>
+              <a:t>课程</a:t>
+            </a:r>
+            <a:r>
+              <a:rPr kumimoji="1" lang="zh-CN" altLang="en-US" smtClean="0"/>
+              <a:t>总结</a:t>
             </a:r>
             <a:endParaRPr kumimoji="1" lang="zh-CN" altLang="en-US" dirty="0"/>
           </a:p>
@@ -3041,6 +3053,13 @@
   <p:clrMapOvr>
     <a:masterClrMapping/>
   </p:clrMapOvr>
+  <p:timing>
+    <p:tnLst>
+      <p:par>
+        <p:cTn id="1" dur="indefinite" restart="never" nodeType="tmRoot"/>
+      </p:par>
+    </p:tnLst>
+  </p:timing>
 </p:sld>
 </file>
 
@@ -3240,6 +3259,13 @@
   <p:clrMapOvr>
     <a:masterClrMapping/>
   </p:clrMapOvr>
+  <p:timing>
+    <p:tnLst>
+      <p:par>
+        <p:cTn id="1" dur="indefinite" restart="never" nodeType="tmRoot"/>
+      </p:par>
+    </p:tnLst>
+  </p:timing>
 </p:sld>
 </file>
 
@@ -5760,19 +5786,19 @@
           </a:p>
           <a:p>
             <a:r>
-              <a:rPr kumimoji="1" lang="en-US" altLang="zh-CN" err="1" smtClean="0"/>
+              <a:rPr kumimoji="1" lang="en-US" altLang="zh-CN" dirty="0" err="1" smtClean="0"/>
               <a:t>Docker</a:t>
             </a:r>
             <a:r>
-              <a:rPr kumimoji="1" lang="zh-CN" altLang="en-US" smtClean="0"/>
+              <a:rPr kumimoji="1" lang="zh-CN" altLang="en-US" dirty="0" smtClean="0"/>
               <a:t>为</a:t>
             </a:r>
             <a:r>
-              <a:rPr kumimoji="1" lang="zh-CN" altLang="en-US" smtClean="0"/>
+              <a:rPr kumimoji="1" lang="zh-CN" altLang="en-US" dirty="0" smtClean="0"/>
               <a:t>主</a:t>
             </a:r>
             <a:r>
-              <a:rPr kumimoji="1" lang="zh-CN" altLang="en-US" smtClean="0"/>
+              <a:rPr kumimoji="1" lang="zh-CN" altLang="en-US" dirty="0" smtClean="0"/>
               <a:t>的</a:t>
             </a:r>
             <a:r>
